--- a/07_MultiSet.pptx
+++ b/07_MultiSet.pptx
@@ -218,7 +218,7 @@
             <a:fld id="{6837EDA8-41C8-4B24-A206-13C08A65A6D7}" type="datetimeFigureOut">
               <a:rPr lang="zh-TW" altLang="en-US" smtClean="0"/>
               <a:pPr/>
-              <a:t>2022/9/28</a:t>
+              <a:t>2022/9/29</a:t>
             </a:fld>
             <a:endParaRPr lang="zh-TW" altLang="en-US"/>
           </a:p>
@@ -671,7 +671,7 @@
             <a:fld id="{8B85509C-BD4F-47BF-9B1E-FC2E949B3621}" type="datetime1">
               <a:rPr lang="zh-TW" altLang="en-US" smtClean="0"/>
               <a:pPr/>
-              <a:t>2022/9/28</a:t>
+              <a:t>2022/9/29</a:t>
             </a:fld>
             <a:endParaRPr lang="zh-TW" altLang="en-US"/>
           </a:p>
@@ -844,7 +844,7 @@
             <a:fld id="{42251B24-F787-4C15-8A0F-7AEC20C70069}" type="datetime1">
               <a:rPr lang="zh-TW" altLang="en-US" smtClean="0"/>
               <a:pPr/>
-              <a:t>2022/9/28</a:t>
+              <a:t>2022/9/29</a:t>
             </a:fld>
             <a:endParaRPr lang="zh-TW" altLang="en-US"/>
           </a:p>
@@ -1019,7 +1019,7 @@
             <a:fld id="{9CA0D33C-CE2B-45F1-B8D4-FFD1F131F331}" type="datetime1">
               <a:rPr lang="zh-TW" altLang="en-US" smtClean="0"/>
               <a:pPr/>
-              <a:t>2022/9/28</a:t>
+              <a:t>2022/9/29</a:t>
             </a:fld>
             <a:endParaRPr lang="zh-TW" altLang="en-US"/>
           </a:p>
@@ -1184,7 +1184,7 @@
             <a:fld id="{50B99440-D9EF-40CC-9B52-F6428D9B2C76}" type="datetime1">
               <a:rPr lang="zh-TW" altLang="en-US" smtClean="0"/>
               <a:pPr/>
-              <a:t>2022/9/28</a:t>
+              <a:t>2022/9/29</a:t>
             </a:fld>
             <a:endParaRPr lang="zh-TW" altLang="en-US"/>
           </a:p>
@@ -1426,7 +1426,7 @@
             <a:fld id="{0871BF52-5C6C-4959-8E27-CECB68D39FE4}" type="datetime1">
               <a:rPr lang="zh-TW" altLang="en-US" smtClean="0"/>
               <a:pPr/>
-              <a:t>2022/9/28</a:t>
+              <a:t>2022/9/29</a:t>
             </a:fld>
             <a:endParaRPr lang="zh-TW" altLang="en-US"/>
           </a:p>
@@ -1708,7 +1708,7 @@
             <a:fld id="{DF863F05-2DD9-4EB1-A827-12FD992DE9DC}" type="datetime1">
               <a:rPr lang="zh-TW" altLang="en-US" smtClean="0"/>
               <a:pPr/>
-              <a:t>2022/9/28</a:t>
+              <a:t>2022/9/29</a:t>
             </a:fld>
             <a:endParaRPr lang="zh-TW" altLang="en-US"/>
           </a:p>
@@ -2124,7 +2124,7 @@
             <a:fld id="{6339AF51-4491-4873-A096-75DB6CE47516}" type="datetime1">
               <a:rPr lang="zh-TW" altLang="en-US" smtClean="0"/>
               <a:pPr/>
-              <a:t>2022/9/28</a:t>
+              <a:t>2022/9/29</a:t>
             </a:fld>
             <a:endParaRPr lang="zh-TW" altLang="en-US"/>
           </a:p>
@@ -2238,7 +2238,7 @@
             <a:fld id="{EE4AD9C8-8B9E-40FF-ABE2-858AC2057BBB}" type="datetime1">
               <a:rPr lang="zh-TW" altLang="en-US" smtClean="0"/>
               <a:pPr/>
-              <a:t>2022/9/28</a:t>
+              <a:t>2022/9/29</a:t>
             </a:fld>
             <a:endParaRPr lang="zh-TW" altLang="en-US"/>
           </a:p>
@@ -2330,7 +2330,7 @@
             <a:fld id="{B4784999-BBBE-4BE4-A8D0-877E7D1D66CC}" type="datetime1">
               <a:rPr lang="zh-TW" altLang="en-US" smtClean="0"/>
               <a:pPr/>
-              <a:t>2022/9/28</a:t>
+              <a:t>2022/9/29</a:t>
             </a:fld>
             <a:endParaRPr lang="zh-TW" altLang="en-US"/>
           </a:p>
@@ -2602,7 +2602,7 @@
             <a:fld id="{E88D17E6-02BD-4944-B9FE-7BFCCBF83D48}" type="datetime1">
               <a:rPr lang="zh-TW" altLang="en-US" smtClean="0"/>
               <a:pPr/>
-              <a:t>2022/9/28</a:t>
+              <a:t>2022/9/29</a:t>
             </a:fld>
             <a:endParaRPr lang="zh-TW" altLang="en-US"/>
           </a:p>
@@ -2851,7 +2851,7 @@
             <a:fld id="{3C13E23D-1FEF-4D78-A3A3-3D6F2BB31954}" type="datetime1">
               <a:rPr lang="zh-TW" altLang="en-US" smtClean="0"/>
               <a:pPr/>
-              <a:t>2022/9/28</a:t>
+              <a:t>2022/9/29</a:t>
             </a:fld>
             <a:endParaRPr lang="zh-TW" altLang="en-US"/>
           </a:p>
@@ -3059,7 +3059,7 @@
             <a:fld id="{06197F35-AD6F-4594-8B50-334492D2E7E8}" type="datetime1">
               <a:rPr lang="zh-TW" altLang="en-US" smtClean="0"/>
               <a:pPr/>
-              <a:t>2022/9/28</a:t>
+              <a:t>2022/9/29</a:t>
             </a:fld>
             <a:endParaRPr lang="zh-TW" altLang="en-US"/>
           </a:p>
@@ -3520,7 +3520,7 @@
             <a:fld id="{C389EDC9-19E3-47AC-9C57-C6A24DEA81AD}" type="datetime1">
               <a:rPr lang="zh-TW" altLang="en-US" smtClean="0"/>
               <a:pPr/>
-              <a:t>2022/9/28</a:t>
+              <a:t>2022/9/29</a:t>
             </a:fld>
             <a:endParaRPr lang="zh-TW" altLang="en-US"/>
           </a:p>
@@ -3704,7 +3704,7 @@
             <a:fld id="{4E46BE27-E923-4EC2-B046-3272AE2A3E5C}" type="datetime1">
               <a:rPr lang="zh-TW" altLang="en-US" smtClean="0"/>
               <a:pPr/>
-              <a:t>2022/9/28</a:t>
+              <a:t>2022/9/29</a:t>
             </a:fld>
             <a:endParaRPr lang="zh-TW" altLang="en-US"/>
           </a:p>
@@ -4036,7 +4036,7 @@
             <a:fld id="{A4F910E6-8D00-4BAF-8C48-9688E0B449D3}" type="datetime1">
               <a:rPr lang="zh-TW" altLang="en-US" smtClean="0"/>
               <a:pPr/>
-              <a:t>2022/9/28</a:t>
+              <a:t>2022/9/29</a:t>
             </a:fld>
             <a:endParaRPr lang="zh-TW" altLang="en-US"/>
           </a:p>
@@ -4442,7 +4442,7 @@
             <a:fld id="{A4F910E6-8D00-4BAF-8C48-9688E0B449D3}" type="datetime1">
               <a:rPr lang="zh-TW" altLang="en-US" smtClean="0"/>
               <a:pPr/>
-              <a:t>2022/9/28</a:t>
+              <a:t>2022/9/29</a:t>
             </a:fld>
             <a:endParaRPr lang="zh-TW" altLang="en-US"/>
           </a:p>
@@ -4896,7 +4896,7 @@
             <a:fld id="{A4F910E6-8D00-4BAF-8C48-9688E0B449D3}" type="datetime1">
               <a:rPr lang="zh-TW" altLang="en-US" smtClean="0"/>
               <a:pPr/>
-              <a:t>2022/9/28</a:t>
+              <a:t>2022/9/29</a:t>
             </a:fld>
             <a:endParaRPr lang="zh-TW" altLang="en-US"/>
           </a:p>
@@ -5562,7 +5562,7 @@
             <a:fld id="{A4F910E6-8D00-4BAF-8C48-9688E0B449D3}" type="datetime1">
               <a:rPr lang="zh-TW" altLang="en-US" smtClean="0"/>
               <a:pPr/>
-              <a:t>2022/9/28</a:t>
+              <a:t>2022/9/29</a:t>
             </a:fld>
             <a:endParaRPr lang="zh-TW" altLang="en-US"/>
           </a:p>
@@ -6175,7 +6175,7 @@
             <a:fld id="{A4F910E6-8D00-4BAF-8C48-9688E0B449D3}" type="datetime1">
               <a:rPr lang="zh-TW" altLang="en-US" smtClean="0"/>
               <a:pPr/>
-              <a:t>2022/9/28</a:t>
+              <a:t>2022/9/29</a:t>
             </a:fld>
             <a:endParaRPr lang="zh-TW" altLang="en-US"/>
           </a:p>
@@ -6608,7 +6608,7 @@
             <a:fld id="{A4F910E6-8D00-4BAF-8C48-9688E0B449D3}" type="datetime1">
               <a:rPr lang="zh-TW" altLang="en-US" smtClean="0"/>
               <a:pPr/>
-              <a:t>2022/9/28</a:t>
+              <a:t>2022/9/29</a:t>
             </a:fld>
             <a:endParaRPr lang="zh-TW" altLang="en-US"/>
           </a:p>
@@ -7135,7 +7135,7 @@
             <a:fld id="{A4F910E6-8D00-4BAF-8C48-9688E0B449D3}" type="datetime1">
               <a:rPr lang="zh-TW" altLang="en-US" smtClean="0"/>
               <a:pPr/>
-              <a:t>2022/9/28</a:t>
+              <a:t>2022/9/29</a:t>
             </a:fld>
             <a:endParaRPr lang="zh-TW" altLang="en-US"/>
           </a:p>
@@ -7830,7 +7830,7 @@
             <a:fld id="{A4F910E6-8D00-4BAF-8C48-9688E0B449D3}" type="datetime1">
               <a:rPr lang="zh-TW" altLang="en-US" smtClean="0"/>
               <a:pPr/>
-              <a:t>2022/9/28</a:t>
+              <a:t>2022/9/29</a:t>
             </a:fld>
             <a:endParaRPr lang="zh-TW" altLang="en-US"/>
           </a:p>
@@ -8250,8 +8250,8 @@
         </p:nvSpPr>
         <p:spPr>
           <a:xfrm>
-            <a:off x="6012160" y="5085184"/>
-            <a:ext cx="2592288" cy="276999"/>
+            <a:off x="3203848" y="4077072"/>
+            <a:ext cx="5472608" cy="1015663"/>
           </a:xfrm>
           <a:prstGeom prst="rect">
             <a:avLst/>
@@ -8278,7 +8278,50 @@
                 </a:solidFill>
                 <a:latin typeface="Roboto" panose="02000000000000000000" pitchFamily="2" charset="0"/>
               </a:rPr>
-              <a:t>Insert Descending (greater) object.</a:t>
+              <a:t>Note:</a:t>
+            </a:r>
+          </a:p>
+          <a:p>
+            <a:r>
+              <a:rPr lang="en-US" sz="1200" dirty="0">
+                <a:solidFill>
+                  <a:srgbClr val="4D5156"/>
+                </a:solidFill>
+                <a:latin typeface="Roboto" panose="02000000000000000000" pitchFamily="2" charset="0"/>
+              </a:rPr>
+              <a:t>1. Insert Descending (greater) object.</a:t>
+            </a:r>
+          </a:p>
+          <a:p>
+            <a:r>
+              <a:rPr lang="en-US" sz="1200" b="0" i="0" dirty="0">
+                <a:solidFill>
+                  <a:srgbClr val="4D5156"/>
+                </a:solidFill>
+                <a:effectLst/>
+                <a:latin typeface="Roboto" panose="02000000000000000000" pitchFamily="2" charset="0"/>
+              </a:rPr>
+              <a:t>Multiset internally </a:t>
+            </a:r>
+            <a:r>
+              <a:rPr lang="en-US" sz="1200" dirty="0">
+                <a:solidFill>
+                  <a:srgbClr val="4D5156"/>
+                </a:solidFill>
+                <a:latin typeface="Roboto" panose="02000000000000000000" pitchFamily="2" charset="0"/>
+              </a:rPr>
+              <a:t>loop through the existing database.</a:t>
+            </a:r>
+          </a:p>
+          <a:p>
+            <a:r>
+              <a:rPr lang="en-US" sz="1200" dirty="0">
+                <a:solidFill>
+                  <a:srgbClr val="4D5156"/>
+                </a:solidFill>
+                <a:latin typeface="Roboto" panose="02000000000000000000" pitchFamily="2" charset="0"/>
+              </a:rPr>
+              <a:t>2. We need to provide the “bool operator &gt; (passing in data structure) { return comparison criteria for object}”  </a:t>
             </a:r>
             <a:endParaRPr lang="en-US" sz="1200" b="0" i="0" dirty="0">
               <a:solidFill>
@@ -8344,6 +8387,101 @@
           </a:p>
         </p:txBody>
       </p:sp>
+      <p:sp>
+        <p:nvSpPr>
+          <p:cNvPr id="8" name="Rectangle 7">
+            <a:extLst>
+              <a:ext uri="{FF2B5EF4-FFF2-40B4-BE49-F238E27FC236}">
+                <a16:creationId xmlns:a16="http://schemas.microsoft.com/office/drawing/2014/main" id="{7C5D24D8-4B62-1A52-09A3-D42DF550AB75}"/>
+              </a:ext>
+            </a:extLst>
+          </p:cNvPr>
+          <p:cNvSpPr/>
+          <p:nvPr/>
+        </p:nvSpPr>
+        <p:spPr>
+          <a:xfrm>
+            <a:off x="4932040" y="3429000"/>
+            <a:ext cx="3816424" cy="360040"/>
+          </a:xfrm>
+          <a:prstGeom prst="rect">
+            <a:avLst/>
+          </a:prstGeom>
+          <a:noFill/>
+          <a:ln>
+            <a:solidFill>
+              <a:srgbClr val="C00000"/>
+            </a:solidFill>
+          </a:ln>
+        </p:spPr>
+        <p:style>
+          <a:lnRef idx="2">
+            <a:schemeClr val="accent1">
+              <a:shade val="50000"/>
+            </a:schemeClr>
+          </a:lnRef>
+          <a:fillRef idx="1">
+            <a:schemeClr val="accent1"/>
+          </a:fillRef>
+          <a:effectRef idx="0">
+            <a:schemeClr val="accent1"/>
+          </a:effectRef>
+          <a:fontRef idx="minor">
+            <a:schemeClr val="lt1"/>
+          </a:fontRef>
+        </p:style>
+        <p:txBody>
+          <a:bodyPr rtlCol="0" anchor="ctr"/>
+          <a:lstStyle/>
+          <a:p>
+            <a:pPr algn="ctr"/>
+            <a:endParaRPr lang="en-US"/>
+          </a:p>
+        </p:txBody>
+      </p:sp>
+      <p:cxnSp>
+        <p:nvCxnSpPr>
+          <p:cNvPr id="10" name="Straight Arrow Connector 9">
+            <a:extLst>
+              <a:ext uri="{FF2B5EF4-FFF2-40B4-BE49-F238E27FC236}">
+                <a16:creationId xmlns:a16="http://schemas.microsoft.com/office/drawing/2014/main" id="{B558C930-3420-62E1-6560-673FAA9E209E}"/>
+              </a:ext>
+            </a:extLst>
+          </p:cNvPr>
+          <p:cNvCxnSpPr>
+            <a:cxnSpLocks/>
+            <a:stCxn id="25" idx="0"/>
+            <a:endCxn id="8" idx="2"/>
+          </p:cNvCxnSpPr>
+          <p:nvPr/>
+        </p:nvCxnSpPr>
+        <p:spPr>
+          <a:xfrm flipV="1">
+            <a:off x="5940152" y="3789040"/>
+            <a:ext cx="900100" cy="288032"/>
+          </a:xfrm>
+          <a:prstGeom prst="straightConnector1">
+            <a:avLst/>
+          </a:prstGeom>
+          <a:ln>
+            <a:tailEnd type="triangle"/>
+          </a:ln>
+        </p:spPr>
+        <p:style>
+          <a:lnRef idx="1">
+            <a:schemeClr val="accent2"/>
+          </a:lnRef>
+          <a:fillRef idx="0">
+            <a:schemeClr val="accent2"/>
+          </a:fillRef>
+          <a:effectRef idx="0">
+            <a:schemeClr val="accent2"/>
+          </a:effectRef>
+          <a:fontRef idx="minor">
+            <a:schemeClr val="tx1"/>
+          </a:fontRef>
+        </p:style>
+      </p:cxnSp>
     </p:spTree>
     <p:extLst>
       <p:ext uri="{BB962C8B-B14F-4D97-AF65-F5344CB8AC3E}">
